--- a/On-Premise/Docker.pptx
+++ b/On-Premise/Docker.pptx
@@ -215,7 +215,7 @@
           <a:p>
             <a:fld id="{CBCBC0FF-E4F7-4ADA-AF08-52FE9BE63E7E}" type="datetimeFigureOut">
               <a:rPr lang="en-IN" smtClean="0"/>
-              <a:t>19-08-2022</a:t>
+              <a:t>22-08-2022</a:t>
             </a:fld>
             <a:endParaRPr lang="en-IN"/>
           </a:p>
@@ -794,7 +794,7 @@
           <a:p>
             <a:fld id="{471B787E-079F-4CE2-8861-489B69EC16BB}" type="datetimeFigureOut">
               <a:rPr lang="en-IN" smtClean="0"/>
-              <a:t>19-08-2022</a:t>
+              <a:t>22-08-2022</a:t>
             </a:fld>
             <a:endParaRPr lang="en-IN"/>
           </a:p>
@@ -994,7 +994,7 @@
           <a:p>
             <a:fld id="{471B787E-079F-4CE2-8861-489B69EC16BB}" type="datetimeFigureOut">
               <a:rPr lang="en-IN" smtClean="0"/>
-              <a:t>19-08-2022</a:t>
+              <a:t>22-08-2022</a:t>
             </a:fld>
             <a:endParaRPr lang="en-IN"/>
           </a:p>
@@ -1204,7 +1204,7 @@
           <a:p>
             <a:fld id="{471B787E-079F-4CE2-8861-489B69EC16BB}" type="datetimeFigureOut">
               <a:rPr lang="en-IN" smtClean="0"/>
-              <a:t>19-08-2022</a:t>
+              <a:t>22-08-2022</a:t>
             </a:fld>
             <a:endParaRPr lang="en-IN"/>
           </a:p>
@@ -1404,7 +1404,7 @@
           <a:p>
             <a:fld id="{471B787E-079F-4CE2-8861-489B69EC16BB}" type="datetimeFigureOut">
               <a:rPr lang="en-IN" smtClean="0"/>
-              <a:t>19-08-2022</a:t>
+              <a:t>22-08-2022</a:t>
             </a:fld>
             <a:endParaRPr lang="en-IN"/>
           </a:p>
@@ -1680,7 +1680,7 @@
           <a:p>
             <a:fld id="{471B787E-079F-4CE2-8861-489B69EC16BB}" type="datetimeFigureOut">
               <a:rPr lang="en-IN" smtClean="0"/>
-              <a:t>19-08-2022</a:t>
+              <a:t>22-08-2022</a:t>
             </a:fld>
             <a:endParaRPr lang="en-IN"/>
           </a:p>
@@ -1948,7 +1948,7 @@
           <a:p>
             <a:fld id="{471B787E-079F-4CE2-8861-489B69EC16BB}" type="datetimeFigureOut">
               <a:rPr lang="en-IN" smtClean="0"/>
-              <a:t>19-08-2022</a:t>
+              <a:t>22-08-2022</a:t>
             </a:fld>
             <a:endParaRPr lang="en-IN"/>
           </a:p>
@@ -2363,7 +2363,7 @@
           <a:p>
             <a:fld id="{471B787E-079F-4CE2-8861-489B69EC16BB}" type="datetimeFigureOut">
               <a:rPr lang="en-IN" smtClean="0"/>
-              <a:t>19-08-2022</a:t>
+              <a:t>22-08-2022</a:t>
             </a:fld>
             <a:endParaRPr lang="en-IN"/>
           </a:p>
@@ -2505,7 +2505,7 @@
           <a:p>
             <a:fld id="{471B787E-079F-4CE2-8861-489B69EC16BB}" type="datetimeFigureOut">
               <a:rPr lang="en-IN" smtClean="0"/>
-              <a:t>19-08-2022</a:t>
+              <a:t>22-08-2022</a:t>
             </a:fld>
             <a:endParaRPr lang="en-IN"/>
           </a:p>
@@ -2618,7 +2618,7 @@
           <a:p>
             <a:fld id="{471B787E-079F-4CE2-8861-489B69EC16BB}" type="datetimeFigureOut">
               <a:rPr lang="en-IN" smtClean="0"/>
-              <a:t>19-08-2022</a:t>
+              <a:t>22-08-2022</a:t>
             </a:fld>
             <a:endParaRPr lang="en-IN"/>
           </a:p>
@@ -2931,7 +2931,7 @@
           <a:p>
             <a:fld id="{471B787E-079F-4CE2-8861-489B69EC16BB}" type="datetimeFigureOut">
               <a:rPr lang="en-IN" smtClean="0"/>
-              <a:t>19-08-2022</a:t>
+              <a:t>22-08-2022</a:t>
             </a:fld>
             <a:endParaRPr lang="en-IN"/>
           </a:p>
@@ -3220,7 +3220,7 @@
           <a:p>
             <a:fld id="{471B787E-079F-4CE2-8861-489B69EC16BB}" type="datetimeFigureOut">
               <a:rPr lang="en-IN" smtClean="0"/>
-              <a:t>19-08-2022</a:t>
+              <a:t>22-08-2022</a:t>
             </a:fld>
             <a:endParaRPr lang="en-IN"/>
           </a:p>
@@ -3463,7 +3463,7 @@
           <a:p>
             <a:fld id="{471B787E-079F-4CE2-8861-489B69EC16BB}" type="datetimeFigureOut">
               <a:rPr lang="en-IN" smtClean="0"/>
-              <a:t>19-08-2022</a:t>
+              <a:t>22-08-2022</a:t>
             </a:fld>
             <a:endParaRPr lang="en-IN"/>
           </a:p>
@@ -17205,7 +17205,7 @@
                 <a:ea typeface="+mn-ea"/>
                 <a:cs typeface="+mn-cs"/>
               </a:rPr>
-              <a:t>192.168.1.5</a:t>
+              <a:t>192.168.1.4</a:t>
             </a:r>
           </a:p>
         </p:txBody>
@@ -24957,7 +24957,7 @@
         </p:nvSpPr>
         <p:spPr>
           <a:xfrm>
-            <a:off x="6148106" y="1564408"/>
+            <a:off x="6219190" y="1536728"/>
             <a:ext cx="4367862" cy="2677656"/>
           </a:xfrm>
           <a:prstGeom prst="rect">

--- a/On-Premise/Docker.pptx
+++ b/On-Premise/Docker.pptx
@@ -215,7 +215,7 @@
           <a:p>
             <a:fld id="{CBCBC0FF-E4F7-4ADA-AF08-52FE9BE63E7E}" type="datetimeFigureOut">
               <a:rPr lang="en-IN" smtClean="0"/>
-              <a:t>22-08-2022</a:t>
+              <a:t>24-08-2022</a:t>
             </a:fld>
             <a:endParaRPr lang="en-IN"/>
           </a:p>
@@ -794,7 +794,7 @@
           <a:p>
             <a:fld id="{471B787E-079F-4CE2-8861-489B69EC16BB}" type="datetimeFigureOut">
               <a:rPr lang="en-IN" smtClean="0"/>
-              <a:t>22-08-2022</a:t>
+              <a:t>24-08-2022</a:t>
             </a:fld>
             <a:endParaRPr lang="en-IN"/>
           </a:p>
@@ -994,7 +994,7 @@
           <a:p>
             <a:fld id="{471B787E-079F-4CE2-8861-489B69EC16BB}" type="datetimeFigureOut">
               <a:rPr lang="en-IN" smtClean="0"/>
-              <a:t>22-08-2022</a:t>
+              <a:t>24-08-2022</a:t>
             </a:fld>
             <a:endParaRPr lang="en-IN"/>
           </a:p>
@@ -1204,7 +1204,7 @@
           <a:p>
             <a:fld id="{471B787E-079F-4CE2-8861-489B69EC16BB}" type="datetimeFigureOut">
               <a:rPr lang="en-IN" smtClean="0"/>
-              <a:t>22-08-2022</a:t>
+              <a:t>24-08-2022</a:t>
             </a:fld>
             <a:endParaRPr lang="en-IN"/>
           </a:p>
@@ -1404,7 +1404,7 @@
           <a:p>
             <a:fld id="{471B787E-079F-4CE2-8861-489B69EC16BB}" type="datetimeFigureOut">
               <a:rPr lang="en-IN" smtClean="0"/>
-              <a:t>22-08-2022</a:t>
+              <a:t>24-08-2022</a:t>
             </a:fld>
             <a:endParaRPr lang="en-IN"/>
           </a:p>
@@ -1680,7 +1680,7 @@
           <a:p>
             <a:fld id="{471B787E-079F-4CE2-8861-489B69EC16BB}" type="datetimeFigureOut">
               <a:rPr lang="en-IN" smtClean="0"/>
-              <a:t>22-08-2022</a:t>
+              <a:t>24-08-2022</a:t>
             </a:fld>
             <a:endParaRPr lang="en-IN"/>
           </a:p>
@@ -1948,7 +1948,7 @@
           <a:p>
             <a:fld id="{471B787E-079F-4CE2-8861-489B69EC16BB}" type="datetimeFigureOut">
               <a:rPr lang="en-IN" smtClean="0"/>
-              <a:t>22-08-2022</a:t>
+              <a:t>24-08-2022</a:t>
             </a:fld>
             <a:endParaRPr lang="en-IN"/>
           </a:p>
@@ -2363,7 +2363,7 @@
           <a:p>
             <a:fld id="{471B787E-079F-4CE2-8861-489B69EC16BB}" type="datetimeFigureOut">
               <a:rPr lang="en-IN" smtClean="0"/>
-              <a:t>22-08-2022</a:t>
+              <a:t>24-08-2022</a:t>
             </a:fld>
             <a:endParaRPr lang="en-IN"/>
           </a:p>
@@ -2505,7 +2505,7 @@
           <a:p>
             <a:fld id="{471B787E-079F-4CE2-8861-489B69EC16BB}" type="datetimeFigureOut">
               <a:rPr lang="en-IN" smtClean="0"/>
-              <a:t>22-08-2022</a:t>
+              <a:t>24-08-2022</a:t>
             </a:fld>
             <a:endParaRPr lang="en-IN"/>
           </a:p>
@@ -2618,7 +2618,7 @@
           <a:p>
             <a:fld id="{471B787E-079F-4CE2-8861-489B69EC16BB}" type="datetimeFigureOut">
               <a:rPr lang="en-IN" smtClean="0"/>
-              <a:t>22-08-2022</a:t>
+              <a:t>24-08-2022</a:t>
             </a:fld>
             <a:endParaRPr lang="en-IN"/>
           </a:p>
@@ -2931,7 +2931,7 @@
           <a:p>
             <a:fld id="{471B787E-079F-4CE2-8861-489B69EC16BB}" type="datetimeFigureOut">
               <a:rPr lang="en-IN" smtClean="0"/>
-              <a:t>22-08-2022</a:t>
+              <a:t>24-08-2022</a:t>
             </a:fld>
             <a:endParaRPr lang="en-IN"/>
           </a:p>
@@ -3220,7 +3220,7 @@
           <a:p>
             <a:fld id="{471B787E-079F-4CE2-8861-489B69EC16BB}" type="datetimeFigureOut">
               <a:rPr lang="en-IN" smtClean="0"/>
-              <a:t>22-08-2022</a:t>
+              <a:t>24-08-2022</a:t>
             </a:fld>
             <a:endParaRPr lang="en-IN"/>
           </a:p>
@@ -3463,7 +3463,7 @@
           <a:p>
             <a:fld id="{471B787E-079F-4CE2-8861-489B69EC16BB}" type="datetimeFigureOut">
               <a:rPr lang="en-IN" smtClean="0"/>
-              <a:t>22-08-2022</a:t>
+              <a:t>24-08-2022</a:t>
             </a:fld>
             <a:endParaRPr lang="en-IN"/>
           </a:p>
@@ -21981,8 +21981,67 @@
                 <a:ea typeface="+mn-ea"/>
                 <a:cs typeface="+mn-cs"/>
               </a:rPr>
-              <a:t> -y</a:t>
+              <a:t> –y</a:t>
             </a:r>
+          </a:p>
+          <a:p>
+            <a:pPr eaLnBrk="0" fontAlgn="base" hangingPunct="0">
+              <a:spcBef>
+                <a:spcPct val="0"/>
+              </a:spcBef>
+              <a:spcAft>
+                <a:spcPct val="0"/>
+              </a:spcAft>
+              <a:defRPr/>
+            </a:pPr>
+            <a:r>
+              <a:rPr kumimoji="0" lang="en-US" altLang="en-US" sz="1400" b="0" i="0" u="none" strike="noStrike" kern="1200" cap="none" spc="0" normalizeH="0" baseline="0" noProof="0" dirty="0" err="1">
+                <a:ln>
+                  <a:noFill/>
+                </a:ln>
+                <a:solidFill>
+                  <a:prstClr val="black"/>
+                </a:solidFill>
+                <a:effectLst/>
+                <a:uLnTx/>
+                <a:uFillTx/>
+                <a:latin typeface="var(--ff-mono)"/>
+                <a:ea typeface="+mn-ea"/>
+                <a:cs typeface="+mn-cs"/>
+              </a:rPr>
+              <a:t>systemctl</a:t>
+            </a:r>
+            <a:r>
+              <a:rPr kumimoji="0" lang="en-US" altLang="en-US" sz="1400" b="0" i="0" u="none" strike="noStrike" kern="1200" cap="none" spc="0" normalizeH="0" baseline="0" noProof="0">
+                <a:ln>
+                  <a:noFill/>
+                </a:ln>
+                <a:solidFill>
+                  <a:prstClr val="black"/>
+                </a:solidFill>
+                <a:effectLst/>
+                <a:uLnTx/>
+                <a:uFillTx/>
+                <a:latin typeface="var(--ff-mono)"/>
+                <a:ea typeface="+mn-ea"/>
+                <a:cs typeface="+mn-cs"/>
+              </a:rPr>
+              <a:t> enable docker</a:t>
+            </a:r>
+            <a:endParaRPr kumimoji="0" lang="en-US" altLang="en-US" sz="1400" b="0" i="0" u="none" strike="noStrike" kern="1200" cap="none" spc="0" normalizeH="0" baseline="0" noProof="0" dirty="0">
+              <a:ln>
+                <a:noFill/>
+              </a:ln>
+              <a:solidFill>
+                <a:prstClr val="black"/>
+              </a:solidFill>
+              <a:effectLst/>
+              <a:uLnTx/>
+              <a:uFillTx/>
+              <a:latin typeface="var(--ff-mono)"/>
+              <a:ea typeface="+mn-ea"/>
+              <a:cs typeface="+mn-cs"/>
+            </a:endParaRPr>
           </a:p>
           <a:p>
             <a:pPr marL="0" marR="0" lvl="0" indent="0" algn="l" defTabSz="914400" rtl="0" eaLnBrk="0" fontAlgn="base" latinLnBrk="0" hangingPunct="0">
@@ -22035,59 +22094,6 @@
                 <a:cs typeface="+mn-cs"/>
               </a:rPr>
               <a:t> start docker</a:t>
-            </a:r>
-          </a:p>
-          <a:p>
-            <a:pPr marL="0" marR="0" lvl="0" indent="0" algn="l" defTabSz="914400" rtl="0" eaLnBrk="0" fontAlgn="base" latinLnBrk="0" hangingPunct="0">
-              <a:lnSpc>
-                <a:spcPct val="100000"/>
-              </a:lnSpc>
-              <a:spcBef>
-                <a:spcPct val="0"/>
-              </a:spcBef>
-              <a:spcAft>
-                <a:spcPct val="0"/>
-              </a:spcAft>
-              <a:buClrTx/>
-              <a:buSzTx/>
-              <a:buFontTx/>
-              <a:buNone/>
-              <a:tabLst/>
-              <a:defRPr/>
-            </a:pPr>
-            <a:r>
-              <a:rPr kumimoji="0" lang="en-US" altLang="en-US" sz="1400" b="0" i="0" u="none" strike="noStrike" kern="1200" cap="none" spc="0" normalizeH="0" baseline="0" noProof="0" dirty="0" err="1">
-                <a:ln>
-                  <a:noFill/>
-                </a:ln>
-                <a:solidFill>
-                  <a:prstClr val="black"/>
-                </a:solidFill>
-                <a:effectLst/>
-                <a:uLnTx/>
-                <a:uFillTx/>
-                <a:latin typeface="var(--ff-mono)"/>
-                <a:ea typeface="+mn-ea"/>
-                <a:cs typeface="+mn-cs"/>
-              </a:rPr>
-              <a:t>systemctl</a:t>
-            </a:r>
-            <a:r>
-              <a:rPr kumimoji="0" lang="en-US" altLang="en-US" sz="1400" b="0" i="0" u="none" strike="noStrike" kern="1200" cap="none" spc="0" normalizeH="0" baseline="0" noProof="0" dirty="0">
-                <a:ln>
-                  <a:noFill/>
-                </a:ln>
-                <a:solidFill>
-                  <a:prstClr val="black"/>
-                </a:solidFill>
-                <a:effectLst/>
-                <a:uLnTx/>
-                <a:uFillTx/>
-                <a:latin typeface="var(--ff-mono)"/>
-                <a:ea typeface="+mn-ea"/>
-                <a:cs typeface="+mn-cs"/>
-              </a:rPr>
-              <a:t> enable docker</a:t>
             </a:r>
           </a:p>
           <a:p>
